--- a/Sơ đồ phân rã chức năng.pptx
+++ b/Sơ đồ phân rã chức năng.pptx
@@ -104,6 +104,11 @@
       </a:defRPr>
     </a:lvl9pPr>
   </p:defaultTextStyle>
+  <p:extLst>
+    <p:ext uri="{EFAFB233-063F-42B5-8137-9DF3F51BA10A}">
+      <p15:sldGuideLst xmlns:p15="http://schemas.microsoft.com/office/powerpoint/2012/main"/>
+    </p:ext>
+  </p:extLst>
 </p:presentation>
 </file>
 
@@ -256,7 +261,7 @@
           <a:p>
             <a:fld id="{3E9686C2-30B9-40F3-9BBF-99E9D51B01A5}" type="datetimeFigureOut">
               <a:rPr lang="vi-VN" smtClean="0"/>
-              <a:t>10/10/2023</a:t>
+              <a:t>06/11/2023</a:t>
             </a:fld>
             <a:endParaRPr lang="vi-VN"/>
           </a:p>
@@ -456,7 +461,7 @@
           <a:p>
             <a:fld id="{3E9686C2-30B9-40F3-9BBF-99E9D51B01A5}" type="datetimeFigureOut">
               <a:rPr lang="vi-VN" smtClean="0"/>
-              <a:t>10/10/2023</a:t>
+              <a:t>06/11/2023</a:t>
             </a:fld>
             <a:endParaRPr lang="vi-VN"/>
           </a:p>
@@ -666,7 +671,7 @@
           <a:p>
             <a:fld id="{3E9686C2-30B9-40F3-9BBF-99E9D51B01A5}" type="datetimeFigureOut">
               <a:rPr lang="vi-VN" smtClean="0"/>
-              <a:t>10/10/2023</a:t>
+              <a:t>06/11/2023</a:t>
             </a:fld>
             <a:endParaRPr lang="vi-VN"/>
           </a:p>
@@ -866,7 +871,7 @@
           <a:p>
             <a:fld id="{3E9686C2-30B9-40F3-9BBF-99E9D51B01A5}" type="datetimeFigureOut">
               <a:rPr lang="vi-VN" smtClean="0"/>
-              <a:t>10/10/2023</a:t>
+              <a:t>06/11/2023</a:t>
             </a:fld>
             <a:endParaRPr lang="vi-VN"/>
           </a:p>
@@ -1142,7 +1147,7 @@
           <a:p>
             <a:fld id="{3E9686C2-30B9-40F3-9BBF-99E9D51B01A5}" type="datetimeFigureOut">
               <a:rPr lang="vi-VN" smtClean="0"/>
-              <a:t>10/10/2023</a:t>
+              <a:t>06/11/2023</a:t>
             </a:fld>
             <a:endParaRPr lang="vi-VN"/>
           </a:p>
@@ -1410,7 +1415,7 @@
           <a:p>
             <a:fld id="{3E9686C2-30B9-40F3-9BBF-99E9D51B01A5}" type="datetimeFigureOut">
               <a:rPr lang="vi-VN" smtClean="0"/>
-              <a:t>10/10/2023</a:t>
+              <a:t>06/11/2023</a:t>
             </a:fld>
             <a:endParaRPr lang="vi-VN"/>
           </a:p>
@@ -1825,7 +1830,7 @@
           <a:p>
             <a:fld id="{3E9686C2-30B9-40F3-9BBF-99E9D51B01A5}" type="datetimeFigureOut">
               <a:rPr lang="vi-VN" smtClean="0"/>
-              <a:t>10/10/2023</a:t>
+              <a:t>06/11/2023</a:t>
             </a:fld>
             <a:endParaRPr lang="vi-VN"/>
           </a:p>
@@ -1967,7 +1972,7 @@
           <a:p>
             <a:fld id="{3E9686C2-30B9-40F3-9BBF-99E9D51B01A5}" type="datetimeFigureOut">
               <a:rPr lang="vi-VN" smtClean="0"/>
-              <a:t>10/10/2023</a:t>
+              <a:t>06/11/2023</a:t>
             </a:fld>
             <a:endParaRPr lang="vi-VN"/>
           </a:p>
@@ -2080,7 +2085,7 @@
           <a:p>
             <a:fld id="{3E9686C2-30B9-40F3-9BBF-99E9D51B01A5}" type="datetimeFigureOut">
               <a:rPr lang="vi-VN" smtClean="0"/>
-              <a:t>10/10/2023</a:t>
+              <a:t>06/11/2023</a:t>
             </a:fld>
             <a:endParaRPr lang="vi-VN"/>
           </a:p>
@@ -2393,7 +2398,7 @@
           <a:p>
             <a:fld id="{3E9686C2-30B9-40F3-9BBF-99E9D51B01A5}" type="datetimeFigureOut">
               <a:rPr lang="vi-VN" smtClean="0"/>
-              <a:t>10/10/2023</a:t>
+              <a:t>06/11/2023</a:t>
             </a:fld>
             <a:endParaRPr lang="vi-VN"/>
           </a:p>
@@ -2682,7 +2687,7 @@
           <a:p>
             <a:fld id="{3E9686C2-30B9-40F3-9BBF-99E9D51B01A5}" type="datetimeFigureOut">
               <a:rPr lang="vi-VN" smtClean="0"/>
-              <a:t>10/10/2023</a:t>
+              <a:t>06/11/2023</a:t>
             </a:fld>
             <a:endParaRPr lang="vi-VN"/>
           </a:p>
@@ -2925,7 +2930,7 @@
           <a:p>
             <a:fld id="{3E9686C2-30B9-40F3-9BBF-99E9D51B01A5}" type="datetimeFigureOut">
               <a:rPr lang="vi-VN" smtClean="0"/>
-              <a:t>10/10/2023</a:t>
+              <a:t>06/11/2023</a:t>
             </a:fld>
             <a:endParaRPr lang="vi-VN"/>
           </a:p>
@@ -3931,228 +3936,6 @@
           </a:p>
         </p:txBody>
       </p:sp>
-      <p:sp>
-        <p:nvSpPr>
-          <p:cNvPr id="22" name="Rectangle 21">
-            <a:extLst>
-              <a:ext uri="{FF2B5EF4-FFF2-40B4-BE49-F238E27FC236}">
-                <a16:creationId xmlns:a16="http://schemas.microsoft.com/office/drawing/2014/main" id="{36EB732C-6AC6-4844-84C8-5CA0898ACC8B}"/>
-              </a:ext>
-            </a:extLst>
-          </p:cNvPr>
-          <p:cNvSpPr/>
-          <p:nvPr/>
-        </p:nvSpPr>
-        <p:spPr>
-          <a:xfrm>
-            <a:off x="1109664" y="4462145"/>
-            <a:ext cx="1633537" cy="809625"/>
-          </a:xfrm>
-          <a:prstGeom prst="rect">
-            <a:avLst/>
-          </a:prstGeom>
-          <a:solidFill>
-            <a:schemeClr val="bg1"/>
-          </a:solidFill>
-          <a:ln w="28575">
-            <a:solidFill>
-              <a:schemeClr val="tx1"/>
-            </a:solidFill>
-          </a:ln>
-        </p:spPr>
-        <p:style>
-          <a:lnRef idx="2">
-            <a:schemeClr val="accent1">
-              <a:shade val="50000"/>
-            </a:schemeClr>
-          </a:lnRef>
-          <a:fillRef idx="1">
-            <a:schemeClr val="accent1"/>
-          </a:fillRef>
-          <a:effectRef idx="0">
-            <a:schemeClr val="accent1"/>
-          </a:effectRef>
-          <a:fontRef idx="minor">
-            <a:schemeClr val="lt1"/>
-          </a:fontRef>
-        </p:style>
-        <p:txBody>
-          <a:bodyPr rtlCol="0" anchor="ctr"/>
-          <a:lstStyle/>
-          <a:p>
-            <a:pPr algn="ctr"/>
-            <a:r>
-              <a:rPr lang="vi-VN">
-                <a:solidFill>
-                  <a:sysClr val="windowText" lastClr="000000"/>
-                </a:solidFill>
-              </a:rPr>
-              <a:t>Kiểm tra xác nhận đơn hàng</a:t>
-            </a:r>
-          </a:p>
-        </p:txBody>
-      </p:sp>
-      <p:sp>
-        <p:nvSpPr>
-          <p:cNvPr id="23" name="Rectangle 22">
-            <a:extLst>
-              <a:ext uri="{FF2B5EF4-FFF2-40B4-BE49-F238E27FC236}">
-                <a16:creationId xmlns:a16="http://schemas.microsoft.com/office/drawing/2014/main" id="{7683CED3-BA5F-542C-DEFA-98F63583B851}"/>
-              </a:ext>
-            </a:extLst>
-          </p:cNvPr>
-          <p:cNvSpPr/>
-          <p:nvPr/>
-        </p:nvSpPr>
-        <p:spPr>
-          <a:xfrm>
-            <a:off x="1839913" y="5647690"/>
-            <a:ext cx="1633537" cy="809625"/>
-          </a:xfrm>
-          <a:prstGeom prst="rect">
-            <a:avLst/>
-          </a:prstGeom>
-          <a:solidFill>
-            <a:schemeClr val="bg1"/>
-          </a:solidFill>
-          <a:ln w="28575">
-            <a:solidFill>
-              <a:schemeClr val="tx1"/>
-            </a:solidFill>
-          </a:ln>
-        </p:spPr>
-        <p:style>
-          <a:lnRef idx="2">
-            <a:schemeClr val="accent1">
-              <a:shade val="50000"/>
-            </a:schemeClr>
-          </a:lnRef>
-          <a:fillRef idx="1">
-            <a:schemeClr val="accent1"/>
-          </a:fillRef>
-          <a:effectRef idx="0">
-            <a:schemeClr val="accent1"/>
-          </a:effectRef>
-          <a:fontRef idx="minor">
-            <a:schemeClr val="lt1"/>
-          </a:fontRef>
-        </p:style>
-        <p:txBody>
-          <a:bodyPr rtlCol="0" anchor="ctr"/>
-          <a:lstStyle/>
-          <a:p>
-            <a:pPr algn="ctr"/>
-            <a:r>
-              <a:rPr lang="vi-VN">
-                <a:solidFill>
-                  <a:sysClr val="windowText" lastClr="000000"/>
-                </a:solidFill>
-              </a:rPr>
-              <a:t>Kiểm Tra Đơn Hàng</a:t>
-            </a:r>
-          </a:p>
-        </p:txBody>
-      </p:sp>
-      <p:sp>
-        <p:nvSpPr>
-          <p:cNvPr id="24" name="Rectangle 23">
-            <a:extLst>
-              <a:ext uri="{FF2B5EF4-FFF2-40B4-BE49-F238E27FC236}">
-                <a16:creationId xmlns:a16="http://schemas.microsoft.com/office/drawing/2014/main" id="{011F02AB-F344-7B67-73DF-D3DE68E1526E}"/>
-              </a:ext>
-            </a:extLst>
-          </p:cNvPr>
-          <p:cNvSpPr/>
-          <p:nvPr/>
-        </p:nvSpPr>
-        <p:spPr>
-          <a:xfrm>
-            <a:off x="0" y="5647690"/>
-            <a:ext cx="1633537" cy="809625"/>
-          </a:xfrm>
-          <a:prstGeom prst="rect">
-            <a:avLst/>
-          </a:prstGeom>
-          <a:solidFill>
-            <a:schemeClr val="bg1"/>
-          </a:solidFill>
-          <a:ln w="28575">
-            <a:solidFill>
-              <a:schemeClr val="tx1"/>
-            </a:solidFill>
-          </a:ln>
-        </p:spPr>
-        <p:style>
-          <a:lnRef idx="2">
-            <a:schemeClr val="accent1">
-              <a:shade val="50000"/>
-            </a:schemeClr>
-          </a:lnRef>
-          <a:fillRef idx="1">
-            <a:schemeClr val="accent1"/>
-          </a:fillRef>
-          <a:effectRef idx="0">
-            <a:schemeClr val="accent1"/>
-          </a:effectRef>
-          <a:fontRef idx="minor">
-            <a:schemeClr val="lt1"/>
-          </a:fontRef>
-        </p:style>
-        <p:txBody>
-          <a:bodyPr rtlCol="0" anchor="ctr"/>
-          <a:lstStyle/>
-          <a:p>
-            <a:pPr algn="ctr"/>
-            <a:r>
-              <a:rPr lang="vi-VN">
-                <a:solidFill>
-                  <a:sysClr val="windowText" lastClr="000000"/>
-                </a:solidFill>
-              </a:rPr>
-              <a:t>Thanh Toán</a:t>
-            </a:r>
-          </a:p>
-        </p:txBody>
-      </p:sp>
-      <p:cxnSp>
-        <p:nvCxnSpPr>
-          <p:cNvPr id="27" name="Connector: Elbow 26">
-            <a:extLst>
-              <a:ext uri="{FF2B5EF4-FFF2-40B4-BE49-F238E27FC236}">
-                <a16:creationId xmlns:a16="http://schemas.microsoft.com/office/drawing/2014/main" id="{126A4218-7FFC-E659-AC39-DF7D5B3CF4D4}"/>
-              </a:ext>
-            </a:extLst>
-          </p:cNvPr>
-          <p:cNvCxnSpPr>
-            <a:endCxn id="22" idx="1"/>
-          </p:cNvCxnSpPr>
-          <p:nvPr/>
-        </p:nvCxnSpPr>
-        <p:spPr>
-          <a:xfrm rot="16200000" flipH="1">
-            <a:off x="-524829" y="3232465"/>
-            <a:ext cx="2657162" cy="611824"/>
-          </a:xfrm>
-          <a:prstGeom prst="bentConnector2">
-            <a:avLst/>
-          </a:prstGeom>
-          <a:ln w="28575"/>
-        </p:spPr>
-        <p:style>
-          <a:lnRef idx="1">
-            <a:schemeClr val="dk1"/>
-          </a:lnRef>
-          <a:fillRef idx="0">
-            <a:schemeClr val="dk1"/>
-          </a:fillRef>
-          <a:effectRef idx="0">
-            <a:schemeClr val="dk1"/>
-          </a:effectRef>
-          <a:fontRef idx="minor">
-            <a:schemeClr val="tx1"/>
-          </a:fontRef>
-        </p:style>
-      </p:cxnSp>
       <p:cxnSp>
         <p:nvCxnSpPr>
           <p:cNvPr id="29" name="Connector: Elbow 28">
@@ -4215,86 +3998,6 @@
             <a:avLst>
               <a:gd name="adj1" fmla="val 3010"/>
             </a:avLst>
-          </a:prstGeom>
-          <a:ln w="28575"/>
-        </p:spPr>
-        <p:style>
-          <a:lnRef idx="1">
-            <a:schemeClr val="dk1"/>
-          </a:lnRef>
-          <a:fillRef idx="0">
-            <a:schemeClr val="dk1"/>
-          </a:fillRef>
-          <a:effectRef idx="0">
-            <a:schemeClr val="dk1"/>
-          </a:effectRef>
-          <a:fontRef idx="minor">
-            <a:schemeClr val="tx1"/>
-          </a:fontRef>
-        </p:style>
-      </p:cxnSp>
-      <p:cxnSp>
-        <p:nvCxnSpPr>
-          <p:cNvPr id="34" name="Connector: Elbow 33">
-            <a:extLst>
-              <a:ext uri="{FF2B5EF4-FFF2-40B4-BE49-F238E27FC236}">
-                <a16:creationId xmlns:a16="http://schemas.microsoft.com/office/drawing/2014/main" id="{B7621EAD-BAFF-1F48-C6F7-4B5B5A1E0D70}"/>
-              </a:ext>
-            </a:extLst>
-          </p:cNvPr>
-          <p:cNvCxnSpPr>
-            <a:stCxn id="22" idx="2"/>
-            <a:endCxn id="24" idx="0"/>
-          </p:cNvCxnSpPr>
-          <p:nvPr/>
-        </p:nvCxnSpPr>
-        <p:spPr>
-          <a:xfrm rot="5400000">
-            <a:off x="1183641" y="4904898"/>
-            <a:ext cx="375920" cy="1109664"/>
-          </a:xfrm>
-          <a:prstGeom prst="bentConnector3">
-            <a:avLst/>
-          </a:prstGeom>
-          <a:ln w="28575"/>
-        </p:spPr>
-        <p:style>
-          <a:lnRef idx="1">
-            <a:schemeClr val="dk1"/>
-          </a:lnRef>
-          <a:fillRef idx="0">
-            <a:schemeClr val="dk1"/>
-          </a:fillRef>
-          <a:effectRef idx="0">
-            <a:schemeClr val="dk1"/>
-          </a:effectRef>
-          <a:fontRef idx="minor">
-            <a:schemeClr val="tx1"/>
-          </a:fontRef>
-        </p:style>
-      </p:cxnSp>
-      <p:cxnSp>
-        <p:nvCxnSpPr>
-          <p:cNvPr id="36" name="Connector: Elbow 35">
-            <a:extLst>
-              <a:ext uri="{FF2B5EF4-FFF2-40B4-BE49-F238E27FC236}">
-                <a16:creationId xmlns:a16="http://schemas.microsoft.com/office/drawing/2014/main" id="{6A842DF9-BE07-0A08-D259-4719F73C6C42}"/>
-              </a:ext>
-            </a:extLst>
-          </p:cNvPr>
-          <p:cNvCxnSpPr>
-            <a:stCxn id="22" idx="2"/>
-            <a:endCxn id="23" idx="0"/>
-          </p:cNvCxnSpPr>
-          <p:nvPr/>
-        </p:nvCxnSpPr>
-        <p:spPr>
-          <a:xfrm rot="16200000" flipH="1">
-            <a:off x="2103597" y="5094605"/>
-            <a:ext cx="375920" cy="730249"/>
-          </a:xfrm>
-          <a:prstGeom prst="bentConnector3">
-            <a:avLst/>
           </a:prstGeom>
           <a:ln w="28575"/>
         </p:spPr>
